--- a/DataScience/Model_Explanation.pptx
+++ b/DataScience/Model_Explanation.pptx
@@ -110,6 +110,11 @@
       </a:defRPr>
     </a:lvl9pPr>
   </p:defaultTextStyle>
+  <p:extLst>
+    <p:ext uri="{EFAFB233-063F-42B5-8137-9DF3F51BA10A}">
+      <p15:sldGuideLst xmlns:p15="http://schemas.microsoft.com/office/powerpoint/2012/main"/>
+    </p:ext>
+  </p:extLst>
 </p:presentation>
 </file>
 
@@ -195,7 +200,7 @@
           <a:p>
             <a:fld id="{5D991B87-A30C-8B42-9FEB-C5609F9A5BF1}" type="datetimeFigureOut">
               <a:rPr lang="en-US" smtClean="0"/>
-              <a:t>5/14/22</a:t>
+              <a:t>5/18/22</a:t>
             </a:fld>
             <a:endParaRPr lang="en-US"/>
           </a:p>
@@ -594,7 +599,7 @@
           <a:p>
             <a:fld id="{91A7DE92-872D-A042-8D71-C2FB833411EE}" type="datetimeFigureOut">
               <a:rPr lang="en-US" smtClean="0"/>
-              <a:t>5/12/22</a:t>
+              <a:t>5/18/22</a:t>
             </a:fld>
             <a:endParaRPr lang="en-US"/>
           </a:p>
@@ -764,7 +769,7 @@
           <a:p>
             <a:fld id="{91A7DE92-872D-A042-8D71-C2FB833411EE}" type="datetimeFigureOut">
               <a:rPr lang="en-US" smtClean="0"/>
-              <a:t>5/12/22</a:t>
+              <a:t>5/18/22</a:t>
             </a:fld>
             <a:endParaRPr lang="en-US"/>
           </a:p>
@@ -944,7 +949,7 @@
           <a:p>
             <a:fld id="{91A7DE92-872D-A042-8D71-C2FB833411EE}" type="datetimeFigureOut">
               <a:rPr lang="en-US" smtClean="0"/>
-              <a:t>5/12/22</a:t>
+              <a:t>5/18/22</a:t>
             </a:fld>
             <a:endParaRPr lang="en-US"/>
           </a:p>
@@ -1114,7 +1119,7 @@
           <a:p>
             <a:fld id="{91A7DE92-872D-A042-8D71-C2FB833411EE}" type="datetimeFigureOut">
               <a:rPr lang="en-US" smtClean="0"/>
-              <a:t>5/12/22</a:t>
+              <a:t>5/18/22</a:t>
             </a:fld>
             <a:endParaRPr lang="en-US"/>
           </a:p>
@@ -1360,7 +1365,7 @@
           <a:p>
             <a:fld id="{91A7DE92-872D-A042-8D71-C2FB833411EE}" type="datetimeFigureOut">
               <a:rPr lang="en-US" smtClean="0"/>
-              <a:t>5/12/22</a:t>
+              <a:t>5/18/22</a:t>
             </a:fld>
             <a:endParaRPr lang="en-US"/>
           </a:p>
@@ -1592,7 +1597,7 @@
           <a:p>
             <a:fld id="{91A7DE92-872D-A042-8D71-C2FB833411EE}" type="datetimeFigureOut">
               <a:rPr lang="en-US" smtClean="0"/>
-              <a:t>5/12/22</a:t>
+              <a:t>5/18/22</a:t>
             </a:fld>
             <a:endParaRPr lang="en-US"/>
           </a:p>
@@ -1959,7 +1964,7 @@
           <a:p>
             <a:fld id="{91A7DE92-872D-A042-8D71-C2FB833411EE}" type="datetimeFigureOut">
               <a:rPr lang="en-US" smtClean="0"/>
-              <a:t>5/12/22</a:t>
+              <a:t>5/18/22</a:t>
             </a:fld>
             <a:endParaRPr lang="en-US"/>
           </a:p>
@@ -2077,7 +2082,7 @@
           <a:p>
             <a:fld id="{91A7DE92-872D-A042-8D71-C2FB833411EE}" type="datetimeFigureOut">
               <a:rPr lang="en-US" smtClean="0"/>
-              <a:t>5/12/22</a:t>
+              <a:t>5/18/22</a:t>
             </a:fld>
             <a:endParaRPr lang="en-US"/>
           </a:p>
@@ -2172,7 +2177,7 @@
           <a:p>
             <a:fld id="{91A7DE92-872D-A042-8D71-C2FB833411EE}" type="datetimeFigureOut">
               <a:rPr lang="en-US" smtClean="0"/>
-              <a:t>5/12/22</a:t>
+              <a:t>5/18/22</a:t>
             </a:fld>
             <a:endParaRPr lang="en-US"/>
           </a:p>
@@ -2449,7 +2454,7 @@
           <a:p>
             <a:fld id="{91A7DE92-872D-A042-8D71-C2FB833411EE}" type="datetimeFigureOut">
               <a:rPr lang="en-US" smtClean="0"/>
-              <a:t>5/12/22</a:t>
+              <a:t>5/18/22</a:t>
             </a:fld>
             <a:endParaRPr lang="en-US"/>
           </a:p>
@@ -2702,7 +2707,7 @@
           <a:p>
             <a:fld id="{91A7DE92-872D-A042-8D71-C2FB833411EE}" type="datetimeFigureOut">
               <a:rPr lang="en-US" smtClean="0"/>
-              <a:t>5/12/22</a:t>
+              <a:t>5/18/22</a:t>
             </a:fld>
             <a:endParaRPr lang="en-US"/>
           </a:p>
@@ -2915,7 +2920,7 @@
           <a:p>
             <a:fld id="{91A7DE92-872D-A042-8D71-C2FB833411EE}" type="datetimeFigureOut">
               <a:rPr lang="en-US" smtClean="0"/>
-              <a:t>5/12/22</a:t>
+              <a:t>5/18/22</a:t>
             </a:fld>
             <a:endParaRPr lang="en-US"/>
           </a:p>
@@ -3349,11 +3354,6 @@
               </a:rPr>
               <a:t>Linear Regression</a:t>
             </a:r>
-            <a:endParaRPr lang="en-US" b="1" dirty="0" smtClean="0">
-              <a:solidFill>
-                <a:schemeClr val="tx1"/>
-              </a:solidFill>
-            </a:endParaRPr>
           </a:p>
         </p:txBody>
       </p:sp>
@@ -3487,11 +3487,6 @@
               </a:rPr>
               <a:t>Formula</a:t>
             </a:r>
-            <a:endParaRPr lang="en-US" b="1" dirty="0" smtClean="0">
-              <a:solidFill>
-                <a:schemeClr val="tx1"/>
-              </a:solidFill>
-            </a:endParaRPr>
           </a:p>
         </p:txBody>
       </p:sp>
@@ -3709,7 +3704,7 @@
         <p:spPr>
           <a:xfrm>
             <a:off x="4578100" y="-24985"/>
-            <a:ext cx="1857240" cy="369332"/>
+            <a:ext cx="1834156" cy="369332"/>
           </a:xfrm>
           <a:prstGeom prst="rect">
             <a:avLst/>
@@ -3727,7 +3722,7 @@
                   <a:schemeClr val="tx1"/>
                 </a:solidFill>
               </a:rPr>
-              <a:t>Linear Regression</a:t>
+              <a:t>Confusion Matrix</a:t>
             </a:r>
             <a:endParaRPr lang="en-US" b="1" dirty="0" smtClean="0">
               <a:solidFill>
@@ -3737,40 +3732,228 @@
           </a:p>
         </p:txBody>
       </p:sp>
-      <p:sp>
-        <p:nvSpPr>
-          <p:cNvPr id="22" name="Rectangle 21"/>
-          <p:cNvSpPr/>
+      <p:pic>
+        <p:nvPicPr>
+          <p:cNvPr id="3" name="Picture 2"/>
+          <p:cNvPicPr>
+            <a:picLocks noChangeAspect="1"/>
+          </p:cNvPicPr>
           <p:nvPr/>
-        </p:nvSpPr>
-        <p:spPr>
-          <a:xfrm>
-            <a:off x="109914" y="413520"/>
-            <a:ext cx="973793" cy="369332"/>
+        </p:nvPicPr>
+        <p:blipFill>
+          <a:blip r:embed="rId2"/>
+          <a:stretch>
+            <a:fillRect/>
+          </a:stretch>
+        </p:blipFill>
+        <p:spPr>
+          <a:xfrm>
+            <a:off x="3025302" y="344347"/>
+            <a:ext cx="5142824" cy="3415538"/>
           </a:xfrm>
           <a:prstGeom prst="rect">
             <a:avLst/>
           </a:prstGeom>
         </p:spPr>
-        <p:txBody>
-          <a:bodyPr wrap="none">
+      </p:pic>
+      <p:pic>
+        <p:nvPicPr>
+          <p:cNvPr id="4" name="Picture 3"/>
+          <p:cNvPicPr>
+            <a:picLocks noChangeAspect="1"/>
+          </p:cNvPicPr>
+          <p:nvPr/>
+        </p:nvPicPr>
+        <p:blipFill>
+          <a:blip r:embed="rId3"/>
+          <a:stretch>
+            <a:fillRect/>
+          </a:stretch>
+        </p:blipFill>
+        <p:spPr>
+          <a:xfrm>
+            <a:off x="227659" y="1575879"/>
+            <a:ext cx="3648004" cy="1569747"/>
+          </a:xfrm>
+          <a:prstGeom prst="rect">
+            <a:avLst/>
+          </a:prstGeom>
+        </p:spPr>
+      </p:pic>
+      <p:sp>
+        <p:nvSpPr>
+          <p:cNvPr id="5" name="Rectangle 4"/>
+          <p:cNvSpPr/>
+          <p:nvPr/>
+        </p:nvSpPr>
+        <p:spPr>
+          <a:xfrm>
+            <a:off x="74387" y="4598888"/>
+            <a:ext cx="6096000" cy="1200329"/>
+          </a:xfrm>
+          <a:prstGeom prst="rect">
+            <a:avLst/>
+          </a:prstGeom>
+        </p:spPr>
+        <p:txBody>
+          <a:bodyPr>
             <a:spAutoFit/>
           </a:bodyPr>
           <a:lstStyle/>
           <a:p>
-            <a:r>
-              <a:rPr lang="en-US" b="1" dirty="0" smtClean="0">
+            <a:pPr algn="ctr"/>
+            <a:r>
+              <a:rPr lang="en-US" dirty="0" smtClean="0">
                 <a:solidFill>
-                  <a:schemeClr val="tx1"/>
+                  <a:srgbClr val="222222"/>
                 </a:solidFill>
               </a:rPr>
-              <a:t>Formula</a:t>
-            </a:r>
-            <a:endParaRPr lang="en-US" b="1" dirty="0" smtClean="0">
-              <a:solidFill>
-                <a:schemeClr val="tx1"/>
-              </a:solidFill>
-            </a:endParaRPr>
+              <a:t>Precision tells us how many of the correctly predicted cases actually turned out to be positive.</a:t>
+            </a:r>
+          </a:p>
+          <a:p>
+            <a:r>
+              <a:rPr lang="en-US" dirty="0" smtClean="0"/>
+              <a:t/>
+            </a:r>
+            <a:br>
+              <a:rPr lang="en-US" dirty="0" smtClean="0"/>
+            </a:br>
+            <a:endParaRPr lang="en-US" dirty="0"/>
+          </a:p>
+        </p:txBody>
+      </p:sp>
+      <p:sp>
+        <p:nvSpPr>
+          <p:cNvPr id="6" name="Rectangle 5"/>
+          <p:cNvSpPr/>
+          <p:nvPr/>
+        </p:nvSpPr>
+        <p:spPr>
+          <a:xfrm>
+            <a:off x="6122814" y="4612982"/>
+            <a:ext cx="6096000" cy="1200329"/>
+          </a:xfrm>
+          <a:prstGeom prst="rect">
+            <a:avLst/>
+          </a:prstGeom>
+        </p:spPr>
+        <p:txBody>
+          <a:bodyPr>
+            <a:spAutoFit/>
+          </a:bodyPr>
+          <a:lstStyle/>
+          <a:p>
+            <a:pPr algn="ctr"/>
+            <a:r>
+              <a:rPr lang="en-US" dirty="0" smtClean="0">
+                <a:solidFill>
+                  <a:srgbClr val="222222"/>
+                </a:solidFill>
+              </a:rPr>
+              <a:t>Recall tells us how many of the actual positive cases we were able to predict correctly with our model.</a:t>
+            </a:r>
+          </a:p>
+          <a:p>
+            <a:r>
+              <a:rPr lang="en-US" dirty="0" smtClean="0"/>
+              <a:t/>
+            </a:r>
+            <a:br>
+              <a:rPr lang="en-US" dirty="0" smtClean="0"/>
+            </a:br>
+            <a:endParaRPr lang="en-US" dirty="0"/>
+          </a:p>
+        </p:txBody>
+      </p:sp>
+      <p:pic>
+        <p:nvPicPr>
+          <p:cNvPr id="7" name="Picture 6"/>
+          <p:cNvPicPr>
+            <a:picLocks noChangeAspect="1"/>
+          </p:cNvPicPr>
+          <p:nvPr/>
+        </p:nvPicPr>
+        <p:blipFill>
+          <a:blip r:embed="rId4"/>
+          <a:stretch>
+            <a:fillRect/>
+          </a:stretch>
+        </p:blipFill>
+        <p:spPr>
+          <a:xfrm>
+            <a:off x="7342626" y="1332689"/>
+            <a:ext cx="4739128" cy="1381327"/>
+          </a:xfrm>
+          <a:prstGeom prst="rect">
+            <a:avLst/>
+          </a:prstGeom>
+        </p:spPr>
+      </p:pic>
+      <p:pic>
+        <p:nvPicPr>
+          <p:cNvPr id="8" name="Picture 7"/>
+          <p:cNvPicPr>
+            <a:picLocks noChangeAspect="1"/>
+          </p:cNvPicPr>
+          <p:nvPr/>
+        </p:nvPicPr>
+        <p:blipFill>
+          <a:blip r:embed="rId5"/>
+          <a:stretch>
+            <a:fillRect/>
+          </a:stretch>
+        </p:blipFill>
+        <p:spPr>
+          <a:xfrm>
+            <a:off x="227660" y="5573279"/>
+            <a:ext cx="5200374" cy="903048"/>
+          </a:xfrm>
+          <a:prstGeom prst="rect">
+            <a:avLst/>
+          </a:prstGeom>
+        </p:spPr>
+      </p:pic>
+      <p:sp>
+        <p:nvSpPr>
+          <p:cNvPr id="10" name="Rectangle 9"/>
+          <p:cNvSpPr/>
+          <p:nvPr/>
+        </p:nvSpPr>
+        <p:spPr>
+          <a:xfrm>
+            <a:off x="6323660" y="5573278"/>
+            <a:ext cx="5758094" cy="1477328"/>
+          </a:xfrm>
+          <a:prstGeom prst="rect">
+            <a:avLst/>
+          </a:prstGeom>
+        </p:spPr>
+        <p:txBody>
+          <a:bodyPr wrap="square">
+            <a:spAutoFit/>
+          </a:bodyPr>
+          <a:lstStyle/>
+          <a:p>
+            <a:r>
+              <a:rPr lang="en-US" dirty="0">
+                <a:solidFill>
+                  <a:srgbClr val="222222"/>
+                </a:solidFill>
+                <a:latin typeface="Lato" charset="0"/>
+              </a:rPr>
+              <a:t>Recall is important in medical cases where it doesn’t matter whether we raise a false alarm but the actual positive cases should not go undetected!</a:t>
+            </a:r>
+          </a:p>
+          <a:p>
+            <a:r>
+              <a:rPr lang="en-US" dirty="0"/>
+              <a:t/>
+            </a:r>
+            <a:br>
+              <a:rPr lang="en-US" dirty="0"/>
+            </a:br>
+            <a:endParaRPr lang="en-US" dirty="0"/>
           </a:p>
         </p:txBody>
       </p:sp>
